--- a/module-2/ppt/2.4-Supervised Learning.pptx
+++ b/module-2/ppt/2.4-Supervised Learning.pptx
@@ -116,6 +116,11 @@
       </a:defRPr>
     </a:lvl9pPr>
   </p:defaultTextStyle>
+  <p:extLst>
+    <p:ext uri="{EFAFB233-063F-42B5-8137-9DF3F51BA10A}">
+      <p15:sldGuideLst xmlns:p15="http://schemas.microsoft.com/office/powerpoint/2012/main"/>
+    </p:ext>
+  </p:extLst>
 </p:presentation>
 </file>
 
@@ -4754,8 +4759,32 @@
                 <a:latin typeface="Arial" panose="020B0604020202020204" pitchFamily="34" charset="0"/>
                 <a:cs typeface="Arial" panose="020B0604020202020204" pitchFamily="34" charset="0"/>
               </a:rPr>
-              <a:t>Supervised Learning</a:t>
-            </a:r>
+              <a:t>Supervised </a:t>
+            </a:r>
+            <a:r>
+              <a:rPr lang="en-US" sz="3600">
+                <a:latin typeface="Arial" panose="020B0604020202020204" pitchFamily="34" charset="0"/>
+                <a:cs typeface="Arial" panose="020B0604020202020204" pitchFamily="34" charset="0"/>
+              </a:rPr>
+              <a:t>Learning </a:t>
+            </a:r>
+            <a:br>
+              <a:rPr lang="en-US" sz="3600">
+                <a:latin typeface="Arial" panose="020B0604020202020204" pitchFamily="34" charset="0"/>
+                <a:cs typeface="Arial" panose="020B0604020202020204" pitchFamily="34" charset="0"/>
+              </a:rPr>
+            </a:br>
+            <a:r>
+              <a:rPr lang="en-US" sz="3600">
+                <a:latin typeface="Arial" panose="020B0604020202020204" pitchFamily="34" charset="0"/>
+                <a:cs typeface="Arial" panose="020B0604020202020204" pitchFamily="34" charset="0"/>
+              </a:rPr>
+              <a:t>on Network Traffic</a:t>
+            </a:r>
+            <a:endParaRPr lang="en-US" sz="3600" dirty="0">
+              <a:latin typeface="Arial" panose="020B0604020202020204" pitchFamily="34" charset="0"/>
+              <a:cs typeface="Arial" panose="020B0604020202020204" pitchFamily="34" charset="0"/>
+            </a:endParaRPr>
           </a:p>
           <a:p>
             <a:pPr algn="l"/>
@@ -5125,7 +5154,11 @@
           <a:lstStyle/>
           <a:p>
             <a:r>
-              <a:rPr lang="en-US" dirty="0"/>
+              <a:rPr lang="en-US" b="1" dirty="0">
+                <a:solidFill>
+                  <a:schemeClr val="accent1"/>
+                </a:solidFill>
+              </a:rPr>
               <a:t>Linear Models</a:t>
             </a:r>
           </a:p>

--- a/module-2/ppt/2.4-Supervised Learning.pptx
+++ b/module-2/ppt/2.4-Supervised Learning.pptx
@@ -6,18 +6,25 @@
     <p:sldMasterId id="2147483676" r:id="rId2"/>
   </p:sldMasterIdLst>
   <p:notesMasterIdLst>
-    <p:notesMasterId r:id="rId12"/>
+    <p:notesMasterId r:id="rId19"/>
   </p:notesMasterIdLst>
   <p:sldIdLst>
     <p:sldId id="2602" r:id="rId3"/>
-    <p:sldId id="2610" r:id="rId4"/>
-    <p:sldId id="2611" r:id="rId5"/>
-    <p:sldId id="2612" r:id="rId6"/>
-    <p:sldId id="2613" r:id="rId7"/>
-    <p:sldId id="2614" r:id="rId8"/>
-    <p:sldId id="2606" r:id="rId9"/>
-    <p:sldId id="2595" r:id="rId10"/>
-    <p:sldId id="2615" r:id="rId11"/>
+    <p:sldId id="330" r:id="rId4"/>
+    <p:sldId id="2608" r:id="rId5"/>
+    <p:sldId id="2610" r:id="rId6"/>
+    <p:sldId id="2611" r:id="rId7"/>
+    <p:sldId id="2612" r:id="rId8"/>
+    <p:sldId id="2613" r:id="rId9"/>
+    <p:sldId id="2614" r:id="rId10"/>
+    <p:sldId id="2606" r:id="rId11"/>
+    <p:sldId id="2595" r:id="rId12"/>
+    <p:sldId id="2615" r:id="rId13"/>
+    <p:sldId id="2616" r:id="rId14"/>
+    <p:sldId id="2617" r:id="rId15"/>
+    <p:sldId id="2618" r:id="rId16"/>
+    <p:sldId id="2619" r:id="rId17"/>
+    <p:sldId id="2620" r:id="rId18"/>
   </p:sldIdLst>
   <p:sldSz cx="12192000" cy="6858000"/>
   <p:notesSz cx="6858000" cy="9144000"/>
@@ -206,7 +213,7 @@
           <a:p>
             <a:fld id="{FE783572-DABC-CB47-8E98-F4B982F59C98}" type="datetimeFigureOut">
               <a:rPr lang="en-US" smtClean="0"/>
-              <a:t>10/19/20</a:t>
+              <a:t>11/16/20</a:t>
             </a:fld>
             <a:endParaRPr lang="en-US"/>
           </a:p>
@@ -2684,7 +2691,7 @@
           <a:p>
             <a:fld id="{2AAA8945-93FC-CD4D-85EF-05021FBA20E6}" type="datetimeFigureOut">
               <a:rPr lang="en-US" smtClean="0"/>
-              <a:t>10/19/20</a:t>
+              <a:t>11/16/20</a:t>
             </a:fld>
             <a:endParaRPr lang="en-US"/>
           </a:p>
@@ -2797,7 +2804,7 @@
           <a:p>
             <a:fld id="{2AAA8945-93FC-CD4D-85EF-05021FBA20E6}" type="datetimeFigureOut">
               <a:rPr lang="en-US" smtClean="0"/>
-              <a:t>10/19/20</a:t>
+              <a:t>11/16/20</a:t>
             </a:fld>
             <a:endParaRPr lang="en-US"/>
           </a:p>
@@ -4759,32 +4766,21 @@
                 <a:latin typeface="Arial" panose="020B0604020202020204" pitchFamily="34" charset="0"/>
                 <a:cs typeface="Arial" panose="020B0604020202020204" pitchFamily="34" charset="0"/>
               </a:rPr>
-              <a:t>Supervised </a:t>
-            </a:r>
-            <a:r>
-              <a:rPr lang="en-US" sz="3600">
-                <a:latin typeface="Arial" panose="020B0604020202020204" pitchFamily="34" charset="0"/>
-                <a:cs typeface="Arial" panose="020B0604020202020204" pitchFamily="34" charset="0"/>
-              </a:rPr>
-              <a:t>Learning </a:t>
+              <a:t>Supervised Learning </a:t>
             </a:r>
             <a:br>
-              <a:rPr lang="en-US" sz="3600">
+              <a:rPr lang="en-US" sz="3600" dirty="0">
                 <a:latin typeface="Arial" panose="020B0604020202020204" pitchFamily="34" charset="0"/>
                 <a:cs typeface="Arial" panose="020B0604020202020204" pitchFamily="34" charset="0"/>
               </a:rPr>
             </a:br>
             <a:r>
-              <a:rPr lang="en-US" sz="3600">
+              <a:rPr lang="en-US" sz="3600" dirty="0">
                 <a:latin typeface="Arial" panose="020B0604020202020204" pitchFamily="34" charset="0"/>
                 <a:cs typeface="Arial" panose="020B0604020202020204" pitchFamily="34" charset="0"/>
               </a:rPr>
               <a:t>on Network Traffic</a:t>
             </a:r>
-            <a:endParaRPr lang="en-US" sz="3600" dirty="0">
-              <a:latin typeface="Arial" panose="020B0604020202020204" pitchFamily="34" charset="0"/>
-              <a:cs typeface="Arial" panose="020B0604020202020204" pitchFamily="34" charset="0"/>
-            </a:endParaRPr>
           </a:p>
           <a:p>
             <a:pPr algn="l"/>
@@ -5077,12 +5073,12 @@
 </p:sld>
 </file>
 
-<file path=ppt/slides/slide2.xml><?xml version="1.0" encoding="utf-8"?>
+<file path=ppt/slides/slide10.xml><?xml version="1.0" encoding="utf-8"?>
 <p:sld xmlns:a="http://schemas.openxmlformats.org/drawingml/2006/main" xmlns:r="http://schemas.openxmlformats.org/officeDocument/2006/relationships" xmlns:p="http://schemas.openxmlformats.org/presentationml/2006/main">
   <p:cSld>
     <p:spTree>
       <p:nvGrpSpPr>
-        <p:cNvPr id="1" name="Shape 189"/>
+        <p:cNvPr id="1" name=""/>
         <p:cNvGrpSpPr/>
         <p:nvPr/>
       </p:nvGrpSpPr>
@@ -5096,46 +5092,53 @@
       </p:grpSpPr>
       <p:sp>
         <p:nvSpPr>
-          <p:cNvPr id="190" name="Google Shape;190;p23"/>
-          <p:cNvSpPr txBox="1">
+          <p:cNvPr id="2" name="Picture Placeholder 1">
+            <a:extLst>
+              <a:ext uri="{FF2B5EF4-FFF2-40B4-BE49-F238E27FC236}">
+                <a16:creationId xmlns:a16="http://schemas.microsoft.com/office/drawing/2014/main" id="{09231A48-87BC-4F47-AC07-58C86D362A62}"/>
+              </a:ext>
+            </a:extLst>
+          </p:cNvPr>
+          <p:cNvSpPr>
+            <a:spLocks noGrp="1"/>
+          </p:cNvSpPr>
+          <p:nvPr>
+            <p:ph type="pic" sz="quarter" idx="13"/>
+          </p:nvPr>
+        </p:nvSpPr>
+        <p:spPr/>
+      </p:sp>
+      <p:sp>
+        <p:nvSpPr>
+          <p:cNvPr id="3" name="Title 2">
+            <a:extLst>
+              <a:ext uri="{FF2B5EF4-FFF2-40B4-BE49-F238E27FC236}">
+                <a16:creationId xmlns:a16="http://schemas.microsoft.com/office/drawing/2014/main" id="{4172FC6C-7AAF-6F4F-BC75-6BEFB8A778AB}"/>
+              </a:ext>
+            </a:extLst>
+          </p:cNvPr>
+          <p:cNvSpPr>
             <a:spLocks noGrp="1"/>
           </p:cNvSpPr>
           <p:nvPr>
             <p:ph type="title"/>
           </p:nvPr>
         </p:nvSpPr>
-        <p:spPr>
-          <a:xfrm>
-            <a:off x="838200" y="347472"/>
-            <a:ext cx="10515600" cy="1325563"/>
-          </a:xfrm>
-          <a:prstGeom prst="rect">
-            <a:avLst/>
-          </a:prstGeom>
-        </p:spPr>
+        <p:spPr/>
         <p:txBody>
-          <a:bodyPr spcFirstLastPara="1" vert="horz" wrap="square" lIns="121900" tIns="121900" rIns="121900" bIns="121900" numCol="1" anchor="t" anchorCtr="0" compatLnSpc="1">
-            <a:prstTxWarp prst="textNoShape">
-              <a:avLst/>
-            </a:prstTxWarp>
-            <a:noAutofit/>
-          </a:bodyPr>
+          <a:bodyPr/>
           <a:lstStyle/>
           <a:p>
-            <a:r>
-              <a:rPr lang="en" dirty="0"/>
-              <a:t>Examples of Supervised Learning</a:t>
-            </a:r>
-            <a:endParaRPr dirty="0"/>
+            <a:endParaRPr lang="en-US"/>
           </a:p>
         </p:txBody>
       </p:sp>
       <p:sp>
         <p:nvSpPr>
-          <p:cNvPr id="2" name="Content Placeholder 1">
-            <a:extLst>
-              <a:ext uri="{FF2B5EF4-FFF2-40B4-BE49-F238E27FC236}">
-                <a16:creationId xmlns:a16="http://schemas.microsoft.com/office/drawing/2014/main" id="{C6427656-EE3E-6F4E-8038-CCD19BE44D52}"/>
+          <p:cNvPr id="4" name="Content Placeholder 3">
+            <a:extLst>
+              <a:ext uri="{FF2B5EF4-FFF2-40B4-BE49-F238E27FC236}">
+                <a16:creationId xmlns:a16="http://schemas.microsoft.com/office/drawing/2014/main" id="{EAEBDECB-7644-1942-97F5-FF576B700669}"/>
               </a:ext>
             </a:extLst>
           </p:cNvPr>
@@ -5148,109 +5151,704 @@
         </p:nvSpPr>
         <p:spPr/>
         <p:txBody>
-          <a:bodyPr>
-            <a:normAutofit fontScale="92500" lnSpcReduction="10000"/>
-          </a:bodyPr>
+          <a:bodyPr/>
           <a:lstStyle/>
           <a:p>
-            <a:r>
-              <a:rPr lang="en-US" b="1" dirty="0">
-                <a:solidFill>
-                  <a:schemeClr val="accent1"/>
-                </a:solidFill>
-              </a:rPr>
-              <a:t>Linear Models</a:t>
-            </a:r>
-          </a:p>
-          <a:p>
-            <a:pPr lvl="1"/>
-            <a:r>
-              <a:rPr lang="en-US" b="1" dirty="0">
-                <a:solidFill>
-                  <a:schemeClr val="accent1"/>
-                </a:solidFill>
-              </a:rPr>
-              <a:t>Linear regression: </a:t>
-            </a:r>
-            <a:r>
-              <a:rPr lang="en-US" dirty="0"/>
-              <a:t>Predictions of </a:t>
-            </a:r>
-          </a:p>
-          <a:p>
-            <a:pPr lvl="1"/>
-            <a:r>
-              <a:rPr lang="en-US" b="1" dirty="0">
-                <a:solidFill>
-                  <a:schemeClr val="accent1"/>
-                </a:solidFill>
-              </a:rPr>
-              <a:t>Logistic regression: </a:t>
-            </a:r>
-            <a:r>
-              <a:rPr lang="en-US" dirty="0"/>
-              <a:t>Binary classification</a:t>
-            </a:r>
-          </a:p>
-          <a:p>
-            <a:pPr lvl="1"/>
-            <a:r>
-              <a:rPr lang="en-US" b="1" dirty="0">
-                <a:solidFill>
-                  <a:schemeClr val="accent1"/>
-                </a:solidFill>
-              </a:rPr>
-              <a:t>Support vector machines: </a:t>
-            </a:r>
-            <a:r>
-              <a:rPr lang="en-US" dirty="0"/>
-              <a:t>Multi-class classification</a:t>
-            </a:r>
-          </a:p>
-          <a:p>
-            <a:pPr lvl="1"/>
-            <a:endParaRPr lang="en-US" b="1" dirty="0">
-              <a:solidFill>
-                <a:schemeClr val="accent1"/>
-              </a:solidFill>
-            </a:endParaRPr>
-          </a:p>
-          <a:p>
-            <a:r>
-              <a:rPr lang="en-US" dirty="0"/>
-              <a:t>Tree-Based Models</a:t>
-            </a:r>
-          </a:p>
-          <a:p>
-            <a:pPr lvl="1"/>
-            <a:r>
-              <a:rPr lang="en-US" dirty="0"/>
-              <a:t>Random forest</a:t>
-            </a:r>
-          </a:p>
-          <a:p>
-            <a:pPr lvl="1"/>
-            <a:r>
-              <a:rPr lang="en-US" dirty="0"/>
-              <a:t>Gradient boosted trees</a:t>
-            </a:r>
-          </a:p>
-          <a:p>
-            <a:pPr lvl="1"/>
+            <a:endParaRPr lang="en-US"/>
+          </a:p>
+        </p:txBody>
+      </p:sp>
+      <p:sp>
+        <p:nvSpPr>
+          <p:cNvPr id="5" name="Slide Number Placeholder 4">
+            <a:extLst>
+              <a:ext uri="{FF2B5EF4-FFF2-40B4-BE49-F238E27FC236}">
+                <a16:creationId xmlns:a16="http://schemas.microsoft.com/office/drawing/2014/main" id="{DD78FBCD-E611-534D-B032-D5131A1E435A}"/>
+              </a:ext>
+            </a:extLst>
+          </p:cNvPr>
+          <p:cNvSpPr>
+            <a:spLocks noGrp="1"/>
+          </p:cNvSpPr>
+          <p:nvPr>
+            <p:ph type="sldNum" sz="quarter" idx="12"/>
+          </p:nvPr>
+        </p:nvSpPr>
+        <p:spPr/>
+        <p:txBody>
+          <a:bodyPr/>
+          <a:lstStyle/>
+          <a:p>
+            <a:fld id="{256CE055-ECFD-9048-9FD8-7E2D8656A4F7}" type="slidenum">
+              <a:rPr lang="en-US" smtClean="0"/>
+              <a:pPr/>
+              <a:t>10</a:t>
+            </a:fld>
             <a:endParaRPr lang="en-US" dirty="0"/>
           </a:p>
-          <a:p>
-            <a:r>
-              <a:rPr lang="en-US" dirty="0"/>
-              <a:t>Deep Learning Models</a:t>
-            </a:r>
-          </a:p>
         </p:txBody>
       </p:sp>
+      <p:pic>
+        <p:nvPicPr>
+          <p:cNvPr id="6" name="Picture 5">
+            <a:extLst>
+              <a:ext uri="{FF2B5EF4-FFF2-40B4-BE49-F238E27FC236}">
+                <a16:creationId xmlns:a16="http://schemas.microsoft.com/office/drawing/2014/main" id="{B295E989-39A2-6E44-B48D-51831C64B351}"/>
+              </a:ext>
+            </a:extLst>
+          </p:cNvPr>
+          <p:cNvPicPr>
+            <a:picLocks noChangeAspect="1"/>
+          </p:cNvPicPr>
+          <p:nvPr/>
+        </p:nvPicPr>
+        <p:blipFill>
+          <a:blip r:embed="rId2"/>
+          <a:stretch>
+            <a:fillRect/>
+          </a:stretch>
+        </p:blipFill>
+        <p:spPr>
+          <a:xfrm>
+            <a:off x="394063" y="0"/>
+            <a:ext cx="11403874" cy="6858000"/>
+          </a:xfrm>
+          <a:prstGeom prst="rect">
+            <a:avLst/>
+          </a:prstGeom>
+        </p:spPr>
+      </p:pic>
     </p:spTree>
     <p:extLst>
       <p:ext uri="{BB962C8B-B14F-4D97-AF65-F5344CB8AC3E}">
-        <p14:creationId xmlns:p14="http://schemas.microsoft.com/office/powerpoint/2010/main" val="487114275"/>
+        <p14:creationId xmlns:p14="http://schemas.microsoft.com/office/powerpoint/2010/main" val="2227156685"/>
+      </p:ext>
+    </p:extLst>
+  </p:cSld>
+  <p:clrMapOvr>
+    <a:masterClrMapping/>
+  </p:clrMapOvr>
+</p:sld>
+</file>
+
+<file path=ppt/slides/slide11.xml><?xml version="1.0" encoding="utf-8"?>
+<p:sld xmlns:a="http://schemas.openxmlformats.org/drawingml/2006/main" xmlns:r="http://schemas.openxmlformats.org/officeDocument/2006/relationships" xmlns:p="http://schemas.openxmlformats.org/presentationml/2006/main">
+  <p:cSld>
+    <p:spTree>
+      <p:nvGrpSpPr>
+        <p:cNvPr id="1" name=""/>
+        <p:cNvGrpSpPr/>
+        <p:nvPr/>
+      </p:nvGrpSpPr>
+      <p:grpSpPr>
+        <a:xfrm>
+          <a:off x="0" y="0"/>
+          <a:ext cx="0" cy="0"/>
+          <a:chOff x="0" y="0"/>
+          <a:chExt cx="0" cy="0"/>
+        </a:xfrm>
+      </p:grpSpPr>
+      <p:sp>
+        <p:nvSpPr>
+          <p:cNvPr id="5" name="Slide Number Placeholder 4">
+            <a:extLst>
+              <a:ext uri="{FF2B5EF4-FFF2-40B4-BE49-F238E27FC236}">
+                <a16:creationId xmlns:a16="http://schemas.microsoft.com/office/drawing/2014/main" id="{20381488-864B-9C4E-9F5A-E546250CFF39}"/>
+              </a:ext>
+            </a:extLst>
+          </p:cNvPr>
+          <p:cNvSpPr>
+            <a:spLocks noGrp="1"/>
+          </p:cNvSpPr>
+          <p:nvPr>
+            <p:ph type="sldNum" sz="quarter" idx="12"/>
+          </p:nvPr>
+        </p:nvSpPr>
+        <p:spPr/>
+        <p:txBody>
+          <a:bodyPr/>
+          <a:lstStyle/>
+          <a:p>
+            <a:fld id="{256CE055-ECFD-9048-9FD8-7E2D8656A4F7}" type="slidenum">
+              <a:rPr lang="en-US" smtClean="0"/>
+              <a:pPr/>
+              <a:t>11</a:t>
+            </a:fld>
+            <a:endParaRPr lang="en-US" dirty="0"/>
+          </a:p>
+        </p:txBody>
+      </p:sp>
+      <p:pic>
+        <p:nvPicPr>
+          <p:cNvPr id="6" name="Picture 5">
+            <a:extLst>
+              <a:ext uri="{FF2B5EF4-FFF2-40B4-BE49-F238E27FC236}">
+                <a16:creationId xmlns:a16="http://schemas.microsoft.com/office/drawing/2014/main" id="{822151E3-B2DB-2047-9CB2-AFBBF6AA73D8}"/>
+              </a:ext>
+            </a:extLst>
+          </p:cNvPr>
+          <p:cNvPicPr>
+            <a:picLocks noChangeAspect="1"/>
+          </p:cNvPicPr>
+          <p:nvPr/>
+        </p:nvPicPr>
+        <p:blipFill>
+          <a:blip r:embed="rId2"/>
+          <a:stretch>
+            <a:fillRect/>
+          </a:stretch>
+        </p:blipFill>
+        <p:spPr>
+          <a:xfrm>
+            <a:off x="171450" y="443470"/>
+            <a:ext cx="6934200" cy="4470400"/>
+          </a:xfrm>
+          <a:prstGeom prst="rect">
+            <a:avLst/>
+          </a:prstGeom>
+        </p:spPr>
+      </p:pic>
+      <p:pic>
+        <p:nvPicPr>
+          <p:cNvPr id="7" name="Picture 6">
+            <a:extLst>
+              <a:ext uri="{FF2B5EF4-FFF2-40B4-BE49-F238E27FC236}">
+                <a16:creationId xmlns:a16="http://schemas.microsoft.com/office/drawing/2014/main" id="{FC4817DB-FB27-364E-9667-C8DFBA14F757}"/>
+              </a:ext>
+            </a:extLst>
+          </p:cNvPr>
+          <p:cNvPicPr>
+            <a:picLocks noChangeAspect="1"/>
+          </p:cNvPicPr>
+          <p:nvPr/>
+        </p:nvPicPr>
+        <p:blipFill>
+          <a:blip r:embed="rId3"/>
+          <a:stretch>
+            <a:fillRect/>
+          </a:stretch>
+        </p:blipFill>
+        <p:spPr>
+          <a:xfrm>
+            <a:off x="0" y="189470"/>
+            <a:ext cx="7277100" cy="4724400"/>
+          </a:xfrm>
+          <a:prstGeom prst="rect">
+            <a:avLst/>
+          </a:prstGeom>
+        </p:spPr>
+      </p:pic>
+      <p:pic>
+        <p:nvPicPr>
+          <p:cNvPr id="8" name="Picture 7">
+            <a:extLst>
+              <a:ext uri="{FF2B5EF4-FFF2-40B4-BE49-F238E27FC236}">
+                <a16:creationId xmlns:a16="http://schemas.microsoft.com/office/drawing/2014/main" id="{3AE7E1EB-CA7E-A448-8E32-45412F740A4E}"/>
+              </a:ext>
+            </a:extLst>
+          </p:cNvPr>
+          <p:cNvPicPr>
+            <a:picLocks noChangeAspect="1"/>
+          </p:cNvPicPr>
+          <p:nvPr/>
+        </p:nvPicPr>
+        <p:blipFill>
+          <a:blip r:embed="rId4"/>
+          <a:stretch>
+            <a:fillRect/>
+          </a:stretch>
+        </p:blipFill>
+        <p:spPr>
+          <a:xfrm>
+            <a:off x="5691831" y="3202170"/>
+            <a:ext cx="6328719" cy="2721349"/>
+          </a:xfrm>
+          <a:prstGeom prst="rect">
+            <a:avLst/>
+          </a:prstGeom>
+        </p:spPr>
+      </p:pic>
+    </p:spTree>
+    <p:extLst>
+      <p:ext uri="{BB962C8B-B14F-4D97-AF65-F5344CB8AC3E}">
+        <p14:creationId xmlns:p14="http://schemas.microsoft.com/office/powerpoint/2010/main" val="3372329819"/>
+      </p:ext>
+    </p:extLst>
+  </p:cSld>
+  <p:clrMapOvr>
+    <a:masterClrMapping/>
+  </p:clrMapOvr>
+</p:sld>
+</file>
+
+<file path=ppt/slides/slide12.xml><?xml version="1.0" encoding="utf-8"?>
+<p:sld xmlns:a="http://schemas.openxmlformats.org/drawingml/2006/main" xmlns:r="http://schemas.openxmlformats.org/officeDocument/2006/relationships" xmlns:p="http://schemas.openxmlformats.org/presentationml/2006/main">
+  <p:cSld>
+    <p:spTree>
+      <p:nvGrpSpPr>
+        <p:cNvPr id="1" name=""/>
+        <p:cNvGrpSpPr/>
+        <p:nvPr/>
+      </p:nvGrpSpPr>
+      <p:grpSpPr>
+        <a:xfrm>
+          <a:off x="0" y="0"/>
+          <a:ext cx="0" cy="0"/>
+          <a:chOff x="0" y="0"/>
+          <a:chExt cx="0" cy="0"/>
+        </a:xfrm>
+      </p:grpSpPr>
+      <p:sp>
+        <p:nvSpPr>
+          <p:cNvPr id="5" name="Title 4">
+            <a:extLst>
+              <a:ext uri="{FF2B5EF4-FFF2-40B4-BE49-F238E27FC236}">
+                <a16:creationId xmlns:a16="http://schemas.microsoft.com/office/drawing/2014/main" id="{3C485A7A-6D4C-6449-95D3-D40C9E876BB6}"/>
+              </a:ext>
+            </a:extLst>
+          </p:cNvPr>
+          <p:cNvSpPr>
+            <a:spLocks noGrp="1"/>
+          </p:cNvSpPr>
+          <p:nvPr>
+            <p:ph type="ctrTitle"/>
+          </p:nvPr>
+        </p:nvSpPr>
+        <p:spPr/>
+        <p:txBody>
+          <a:bodyPr/>
+          <a:lstStyle/>
+          <a:p>
+            <a:r>
+              <a:rPr lang="en-US" dirty="0" err="1"/>
+              <a:t>NaÏVe</a:t>
+            </a:r>
+            <a:r>
+              <a:rPr lang="en-US" dirty="0"/>
+              <a:t> Bayes</a:t>
+            </a:r>
+          </a:p>
+        </p:txBody>
+      </p:sp>
+    </p:spTree>
+    <p:extLst>
+      <p:ext uri="{BB962C8B-B14F-4D97-AF65-F5344CB8AC3E}">
+        <p14:creationId xmlns:p14="http://schemas.microsoft.com/office/powerpoint/2010/main" val="2594760951"/>
+      </p:ext>
+    </p:extLst>
+  </p:cSld>
+  <p:clrMapOvr>
+    <a:masterClrMapping/>
+  </p:clrMapOvr>
+</p:sld>
+</file>
+
+<file path=ppt/slides/slide13.xml><?xml version="1.0" encoding="utf-8"?>
+<p:sld xmlns:a="http://schemas.openxmlformats.org/drawingml/2006/main" xmlns:r="http://schemas.openxmlformats.org/officeDocument/2006/relationships" xmlns:p="http://schemas.openxmlformats.org/presentationml/2006/main">
+  <p:cSld>
+    <p:spTree>
+      <p:nvGrpSpPr>
+        <p:cNvPr id="1" name=""/>
+        <p:cNvGrpSpPr/>
+        <p:nvPr/>
+      </p:nvGrpSpPr>
+      <p:grpSpPr>
+        <a:xfrm>
+          <a:off x="0" y="0"/>
+          <a:ext cx="0" cy="0"/>
+          <a:chOff x="0" y="0"/>
+          <a:chExt cx="0" cy="0"/>
+        </a:xfrm>
+      </p:grpSpPr>
+      <p:sp>
+        <p:nvSpPr>
+          <p:cNvPr id="4" name="Slide Number Placeholder 3">
+            <a:extLst>
+              <a:ext uri="{FF2B5EF4-FFF2-40B4-BE49-F238E27FC236}">
+                <a16:creationId xmlns:a16="http://schemas.microsoft.com/office/drawing/2014/main" id="{9C4ED230-A24E-AE40-9CA2-D05973FC365D}"/>
+              </a:ext>
+            </a:extLst>
+          </p:cNvPr>
+          <p:cNvSpPr>
+            <a:spLocks noGrp="1"/>
+          </p:cNvSpPr>
+          <p:nvPr>
+            <p:ph type="sldNum" sz="quarter" idx="12"/>
+          </p:nvPr>
+        </p:nvSpPr>
+        <p:spPr/>
+        <p:txBody>
+          <a:bodyPr/>
+          <a:lstStyle/>
+          <a:p>
+            <a:fld id="{256CE055-ECFD-9048-9FD8-7E2D8656A4F7}" type="slidenum">
+              <a:rPr lang="en-US" smtClean="0"/>
+              <a:pPr/>
+              <a:t>13</a:t>
+            </a:fld>
+            <a:endParaRPr lang="en-US" dirty="0"/>
+          </a:p>
+        </p:txBody>
+      </p:sp>
+      <p:pic>
+        <p:nvPicPr>
+          <p:cNvPr id="5" name="Picture 4">
+            <a:extLst>
+              <a:ext uri="{FF2B5EF4-FFF2-40B4-BE49-F238E27FC236}">
+                <a16:creationId xmlns:a16="http://schemas.microsoft.com/office/drawing/2014/main" id="{0708E7A7-F4B0-D248-A7C3-46A432547B2C}"/>
+              </a:ext>
+            </a:extLst>
+          </p:cNvPr>
+          <p:cNvPicPr>
+            <a:picLocks noChangeAspect="1"/>
+          </p:cNvPicPr>
+          <p:nvPr/>
+        </p:nvPicPr>
+        <p:blipFill>
+          <a:blip r:embed="rId2"/>
+          <a:stretch>
+            <a:fillRect/>
+          </a:stretch>
+        </p:blipFill>
+        <p:spPr>
+          <a:xfrm>
+            <a:off x="1454252" y="112064"/>
+            <a:ext cx="8937782" cy="5603219"/>
+          </a:xfrm>
+          <a:prstGeom prst="rect">
+            <a:avLst/>
+          </a:prstGeom>
+        </p:spPr>
+      </p:pic>
+    </p:spTree>
+    <p:extLst>
+      <p:ext uri="{BB962C8B-B14F-4D97-AF65-F5344CB8AC3E}">
+        <p14:creationId xmlns:p14="http://schemas.microsoft.com/office/powerpoint/2010/main" val="2787664255"/>
+      </p:ext>
+    </p:extLst>
+  </p:cSld>
+  <p:clrMapOvr>
+    <a:masterClrMapping/>
+  </p:clrMapOvr>
+</p:sld>
+</file>
+
+<file path=ppt/slides/slide14.xml><?xml version="1.0" encoding="utf-8"?>
+<p:sld xmlns:a="http://schemas.openxmlformats.org/drawingml/2006/main" xmlns:r="http://schemas.openxmlformats.org/officeDocument/2006/relationships" xmlns:p="http://schemas.openxmlformats.org/presentationml/2006/main">
+  <p:cSld>
+    <p:spTree>
+      <p:nvGrpSpPr>
+        <p:cNvPr id="1" name=""/>
+        <p:cNvGrpSpPr/>
+        <p:nvPr/>
+      </p:nvGrpSpPr>
+      <p:grpSpPr>
+        <a:xfrm>
+          <a:off x="0" y="0"/>
+          <a:ext cx="0" cy="0"/>
+          <a:chOff x="0" y="0"/>
+          <a:chExt cx="0" cy="0"/>
+        </a:xfrm>
+      </p:grpSpPr>
+      <p:sp>
+        <p:nvSpPr>
+          <p:cNvPr id="2" name="Slide Number Placeholder 1">
+            <a:extLst>
+              <a:ext uri="{FF2B5EF4-FFF2-40B4-BE49-F238E27FC236}">
+                <a16:creationId xmlns:a16="http://schemas.microsoft.com/office/drawing/2014/main" id="{FBD98CEF-B449-5844-AFBA-E1A6C3F801F8}"/>
+              </a:ext>
+            </a:extLst>
+          </p:cNvPr>
+          <p:cNvSpPr>
+            <a:spLocks noGrp="1"/>
+          </p:cNvSpPr>
+          <p:nvPr>
+            <p:ph type="sldNum" sz="quarter" idx="12"/>
+          </p:nvPr>
+        </p:nvSpPr>
+        <p:spPr/>
+        <p:txBody>
+          <a:bodyPr/>
+          <a:lstStyle/>
+          <a:p>
+            <a:fld id="{D7AA6054-60FB-8048-98AD-326CDDBBD22D}" type="slidenum">
+              <a:rPr lang="en-US" smtClean="0"/>
+              <a:t>14</a:t>
+            </a:fld>
+            <a:endParaRPr lang="en-US"/>
+          </a:p>
+        </p:txBody>
+      </p:sp>
+      <p:pic>
+        <p:nvPicPr>
+          <p:cNvPr id="3" name="Picture 2">
+            <a:extLst>
+              <a:ext uri="{FF2B5EF4-FFF2-40B4-BE49-F238E27FC236}">
+                <a16:creationId xmlns:a16="http://schemas.microsoft.com/office/drawing/2014/main" id="{706C5600-B972-C04B-ACD4-F52D620846D6}"/>
+              </a:ext>
+            </a:extLst>
+          </p:cNvPr>
+          <p:cNvPicPr>
+            <a:picLocks noChangeAspect="1"/>
+          </p:cNvPicPr>
+          <p:nvPr/>
+        </p:nvPicPr>
+        <p:blipFill>
+          <a:blip r:embed="rId2"/>
+          <a:stretch>
+            <a:fillRect/>
+          </a:stretch>
+        </p:blipFill>
+        <p:spPr>
+          <a:xfrm>
+            <a:off x="1792109" y="112064"/>
+            <a:ext cx="9378399" cy="5766653"/>
+          </a:xfrm>
+          <a:prstGeom prst="rect">
+            <a:avLst/>
+          </a:prstGeom>
+        </p:spPr>
+      </p:pic>
+    </p:spTree>
+    <p:extLst>
+      <p:ext uri="{BB962C8B-B14F-4D97-AF65-F5344CB8AC3E}">
+        <p14:creationId xmlns:p14="http://schemas.microsoft.com/office/powerpoint/2010/main" val="3060893655"/>
+      </p:ext>
+    </p:extLst>
+  </p:cSld>
+  <p:clrMapOvr>
+    <a:masterClrMapping/>
+  </p:clrMapOvr>
+</p:sld>
+</file>
+
+<file path=ppt/slides/slide15.xml><?xml version="1.0" encoding="utf-8"?>
+<p:sld xmlns:a="http://schemas.openxmlformats.org/drawingml/2006/main" xmlns:r="http://schemas.openxmlformats.org/officeDocument/2006/relationships" xmlns:p="http://schemas.openxmlformats.org/presentationml/2006/main">
+  <p:cSld>
+    <p:spTree>
+      <p:nvGrpSpPr>
+        <p:cNvPr id="1" name=""/>
+        <p:cNvGrpSpPr/>
+        <p:nvPr/>
+      </p:nvGrpSpPr>
+      <p:grpSpPr>
+        <a:xfrm>
+          <a:off x="0" y="0"/>
+          <a:ext cx="0" cy="0"/>
+          <a:chOff x="0" y="0"/>
+          <a:chExt cx="0" cy="0"/>
+        </a:xfrm>
+      </p:grpSpPr>
+      <p:sp>
+        <p:nvSpPr>
+          <p:cNvPr id="2" name="Slide Number Placeholder 1">
+            <a:extLst>
+              <a:ext uri="{FF2B5EF4-FFF2-40B4-BE49-F238E27FC236}">
+                <a16:creationId xmlns:a16="http://schemas.microsoft.com/office/drawing/2014/main" id="{BD84E7B6-D29E-3D46-A18D-4716723569E2}"/>
+              </a:ext>
+            </a:extLst>
+          </p:cNvPr>
+          <p:cNvSpPr>
+            <a:spLocks noGrp="1"/>
+          </p:cNvSpPr>
+          <p:nvPr>
+            <p:ph type="sldNum" sz="quarter" idx="12"/>
+          </p:nvPr>
+        </p:nvSpPr>
+        <p:spPr/>
+        <p:txBody>
+          <a:bodyPr/>
+          <a:lstStyle/>
+          <a:p>
+            <a:fld id="{D7AA6054-60FB-8048-98AD-326CDDBBD22D}" type="slidenum">
+              <a:rPr lang="en-US" smtClean="0"/>
+              <a:t>15</a:t>
+            </a:fld>
+            <a:endParaRPr lang="en-US"/>
+          </a:p>
+        </p:txBody>
+      </p:sp>
+      <p:pic>
+        <p:nvPicPr>
+          <p:cNvPr id="3" name="Picture 2">
+            <a:extLst>
+              <a:ext uri="{FF2B5EF4-FFF2-40B4-BE49-F238E27FC236}">
+                <a16:creationId xmlns:a16="http://schemas.microsoft.com/office/drawing/2014/main" id="{9FB2AD88-3902-EA46-B419-254553EB84FA}"/>
+              </a:ext>
+            </a:extLst>
+          </p:cNvPr>
+          <p:cNvPicPr>
+            <a:picLocks noChangeAspect="1"/>
+          </p:cNvPicPr>
+          <p:nvPr/>
+        </p:nvPicPr>
+        <p:blipFill>
+          <a:blip r:embed="rId2"/>
+          <a:stretch>
+            <a:fillRect/>
+          </a:stretch>
+        </p:blipFill>
+        <p:spPr>
+          <a:xfrm>
+            <a:off x="1182191" y="112064"/>
+            <a:ext cx="9419906" cy="5839284"/>
+          </a:xfrm>
+          <a:prstGeom prst="rect">
+            <a:avLst/>
+          </a:prstGeom>
+        </p:spPr>
+      </p:pic>
+    </p:spTree>
+    <p:extLst>
+      <p:ext uri="{BB962C8B-B14F-4D97-AF65-F5344CB8AC3E}">
+        <p14:creationId xmlns:p14="http://schemas.microsoft.com/office/powerpoint/2010/main" val="2566616342"/>
+      </p:ext>
+    </p:extLst>
+  </p:cSld>
+  <p:clrMapOvr>
+    <a:masterClrMapping/>
+  </p:clrMapOvr>
+</p:sld>
+</file>
+
+<file path=ppt/slides/slide16.xml><?xml version="1.0" encoding="utf-8"?>
+<p:sld xmlns:a="http://schemas.openxmlformats.org/drawingml/2006/main" xmlns:r="http://schemas.openxmlformats.org/officeDocument/2006/relationships" xmlns:p="http://schemas.openxmlformats.org/presentationml/2006/main">
+  <p:cSld>
+    <p:spTree>
+      <p:nvGrpSpPr>
+        <p:cNvPr id="1" name=""/>
+        <p:cNvGrpSpPr/>
+        <p:nvPr/>
+      </p:nvGrpSpPr>
+      <p:grpSpPr>
+        <a:xfrm>
+          <a:off x="0" y="0"/>
+          <a:ext cx="0" cy="0"/>
+          <a:chOff x="0" y="0"/>
+          <a:chExt cx="0" cy="0"/>
+        </a:xfrm>
+      </p:grpSpPr>
+      <p:sp>
+        <p:nvSpPr>
+          <p:cNvPr id="2" name="Slide Number Placeholder 1">
+            <a:extLst>
+              <a:ext uri="{FF2B5EF4-FFF2-40B4-BE49-F238E27FC236}">
+                <a16:creationId xmlns:a16="http://schemas.microsoft.com/office/drawing/2014/main" id="{464199AB-22AA-1448-9E40-B2BA6E2BA1E4}"/>
+              </a:ext>
+            </a:extLst>
+          </p:cNvPr>
+          <p:cNvSpPr>
+            <a:spLocks noGrp="1"/>
+          </p:cNvSpPr>
+          <p:nvPr>
+            <p:ph type="sldNum" sz="quarter" idx="12"/>
+          </p:nvPr>
+        </p:nvSpPr>
+        <p:spPr/>
+        <p:txBody>
+          <a:bodyPr/>
+          <a:lstStyle/>
+          <a:p>
+            <a:fld id="{D7AA6054-60FB-8048-98AD-326CDDBBD22D}" type="slidenum">
+              <a:rPr lang="en-US" smtClean="0"/>
+              <a:t>16</a:t>
+            </a:fld>
+            <a:endParaRPr lang="en-US"/>
+          </a:p>
+        </p:txBody>
+      </p:sp>
+      <p:pic>
+        <p:nvPicPr>
+          <p:cNvPr id="3" name="Picture 2">
+            <a:extLst>
+              <a:ext uri="{FF2B5EF4-FFF2-40B4-BE49-F238E27FC236}">
+                <a16:creationId xmlns:a16="http://schemas.microsoft.com/office/drawing/2014/main" id="{82941046-1DDC-1A4A-B1FE-2F188342ACB7}"/>
+              </a:ext>
+            </a:extLst>
+          </p:cNvPr>
+          <p:cNvPicPr>
+            <a:picLocks noChangeAspect="1"/>
+          </p:cNvPicPr>
+          <p:nvPr/>
+        </p:nvPicPr>
+        <p:blipFill>
+          <a:blip r:embed="rId2"/>
+          <a:stretch>
+            <a:fillRect/>
+          </a:stretch>
+        </p:blipFill>
+        <p:spPr>
+          <a:xfrm>
+            <a:off x="1567193" y="0"/>
+            <a:ext cx="9442677" cy="5948504"/>
+          </a:xfrm>
+          <a:prstGeom prst="rect">
+            <a:avLst/>
+          </a:prstGeom>
+        </p:spPr>
+      </p:pic>
+    </p:spTree>
+    <p:extLst>
+      <p:ext uri="{BB962C8B-B14F-4D97-AF65-F5344CB8AC3E}">
+        <p14:creationId xmlns:p14="http://schemas.microsoft.com/office/powerpoint/2010/main" val="3071091337"/>
+      </p:ext>
+    </p:extLst>
+  </p:cSld>
+  <p:clrMapOvr>
+    <a:masterClrMapping/>
+  </p:clrMapOvr>
+</p:sld>
+</file>
+
+<file path=ppt/slides/slide2.xml><?xml version="1.0" encoding="utf-8"?>
+<p:sld xmlns:a="http://schemas.openxmlformats.org/drawingml/2006/main" xmlns:r="http://schemas.openxmlformats.org/officeDocument/2006/relationships" xmlns:p="http://schemas.openxmlformats.org/presentationml/2006/main">
+  <p:cSld>
+    <p:spTree>
+      <p:nvGrpSpPr>
+        <p:cNvPr id="1" name=""/>
+        <p:cNvGrpSpPr/>
+        <p:nvPr/>
+      </p:nvGrpSpPr>
+      <p:grpSpPr>
+        <a:xfrm>
+          <a:off x="0" y="0"/>
+          <a:ext cx="0" cy="0"/>
+          <a:chOff x="0" y="0"/>
+          <a:chExt cx="0" cy="0"/>
+        </a:xfrm>
+      </p:grpSpPr>
+      <p:sp>
+        <p:nvSpPr>
+          <p:cNvPr id="5" name="Title 4">
+            <a:extLst>
+              <a:ext uri="{FF2B5EF4-FFF2-40B4-BE49-F238E27FC236}">
+                <a16:creationId xmlns:a16="http://schemas.microsoft.com/office/drawing/2014/main" id="{3C485A7A-6D4C-6449-95D3-D40C9E876BB6}"/>
+              </a:ext>
+            </a:extLst>
+          </p:cNvPr>
+          <p:cNvSpPr>
+            <a:spLocks noGrp="1"/>
+          </p:cNvSpPr>
+          <p:nvPr>
+            <p:ph type="ctrTitle"/>
+          </p:nvPr>
+        </p:nvSpPr>
+        <p:spPr/>
+        <p:txBody>
+          <a:bodyPr/>
+          <a:lstStyle/>
+          <a:p>
+            <a:r>
+              <a:rPr lang="en-US" dirty="0"/>
+              <a:t>Learning Objective</a:t>
+            </a:r>
+          </a:p>
+        </p:txBody>
+      </p:sp>
+    </p:spTree>
+    <p:extLst>
+      <p:ext uri="{BB962C8B-B14F-4D97-AF65-F5344CB8AC3E}">
+        <p14:creationId xmlns:p14="http://schemas.microsoft.com/office/powerpoint/2010/main" val="1526659599"/>
       </p:ext>
     </p:extLst>
   </p:cSld>
@@ -5279,10 +5877,10 @@
       </p:grpSpPr>
       <p:sp>
         <p:nvSpPr>
-          <p:cNvPr id="5" name="Title 4">
-            <a:extLst>
-              <a:ext uri="{FF2B5EF4-FFF2-40B4-BE49-F238E27FC236}">
-                <a16:creationId xmlns:a16="http://schemas.microsoft.com/office/drawing/2014/main" id="{3C485A7A-6D4C-6449-95D3-D40C9E876BB6}"/>
+          <p:cNvPr id="3" name="Title 2">
+            <a:extLst>
+              <a:ext uri="{FF2B5EF4-FFF2-40B4-BE49-F238E27FC236}">
+                <a16:creationId xmlns:a16="http://schemas.microsoft.com/office/drawing/2014/main" id="{0222242B-B691-304A-B52D-5B4E075F760F}"/>
               </a:ext>
             </a:extLst>
           </p:cNvPr>
@@ -5290,7 +5888,7 @@
             <a:spLocks noGrp="1"/>
           </p:cNvSpPr>
           <p:nvPr>
-            <p:ph type="ctrTitle"/>
+            <p:ph type="title"/>
           </p:nvPr>
         </p:nvSpPr>
         <p:spPr/>
@@ -5300,20 +5898,76 @@
           <a:p>
             <a:r>
               <a:rPr lang="en-US" dirty="0"/>
-              <a:t>LINEAR </a:t>
-            </a:r>
-            <a:r>
-              <a:rPr lang="en-US" dirty="0" err="1"/>
-              <a:t>REgression</a:t>
-            </a:r>
-            <a:endParaRPr lang="en-US" dirty="0"/>
+              <a:t>Learning Objectives</a:t>
+            </a:r>
+          </a:p>
+        </p:txBody>
+      </p:sp>
+      <p:sp>
+        <p:nvSpPr>
+          <p:cNvPr id="4" name="Content Placeholder 3">
+            <a:extLst>
+              <a:ext uri="{FF2B5EF4-FFF2-40B4-BE49-F238E27FC236}">
+                <a16:creationId xmlns:a16="http://schemas.microsoft.com/office/drawing/2014/main" id="{77FFC429-6A4C-BF40-9A71-BE3BD84EA317}"/>
+              </a:ext>
+            </a:extLst>
+          </p:cNvPr>
+          <p:cNvSpPr>
+            <a:spLocks noGrp="1"/>
+          </p:cNvSpPr>
+          <p:nvPr>
+            <p:ph idx="1"/>
+          </p:nvPr>
+        </p:nvSpPr>
+        <p:spPr/>
+        <p:txBody>
+          <a:bodyPr>
+            <a:normAutofit fontScale="92500" lnSpcReduction="10000"/>
+          </a:bodyPr>
+          <a:lstStyle/>
+          <a:p>
+            <a:r>
+              <a:rPr lang="en-US" sz="3600" dirty="0"/>
+              <a:t>Review (simple) supervised learning machine learning models</a:t>
+            </a:r>
+          </a:p>
+          <a:p>
+            <a:pPr lvl="1"/>
+            <a:r>
+              <a:rPr lang="en-US" sz="3200" dirty="0"/>
+              <a:t>Linear regression</a:t>
+            </a:r>
+          </a:p>
+          <a:p>
+            <a:pPr lvl="1"/>
+            <a:r>
+              <a:rPr lang="en-US" sz="3200" dirty="0"/>
+              <a:t>Logistic regression</a:t>
+            </a:r>
+          </a:p>
+          <a:p>
+            <a:pPr lvl="1"/>
+            <a:r>
+              <a:rPr lang="en-US" sz="3200"/>
+              <a:t>Naïve Bayes</a:t>
+            </a:r>
+            <a:endParaRPr lang="en-US" sz="3200" dirty="0"/>
+          </a:p>
+          <a:p>
+            <a:endParaRPr lang="en-US" sz="3600" dirty="0"/>
+          </a:p>
+          <a:p>
+            <a:r>
+              <a:rPr lang="en-US" sz="3600" dirty="0"/>
+              <a:t>Apply these models to real-world examples on network traffic</a:t>
+            </a:r>
           </a:p>
         </p:txBody>
       </p:sp>
     </p:spTree>
     <p:extLst>
       <p:ext uri="{BB962C8B-B14F-4D97-AF65-F5344CB8AC3E}">
-        <p14:creationId xmlns:p14="http://schemas.microsoft.com/office/powerpoint/2010/main" val="736196295"/>
+        <p14:creationId xmlns:p14="http://schemas.microsoft.com/office/powerpoint/2010/main" val="653551004"/>
       </p:ext>
     </p:extLst>
   </p:cSld>
@@ -5324,6 +5978,189 @@
 </file>
 
 <file path=ppt/slides/slide4.xml><?xml version="1.0" encoding="utf-8"?>
+<p:sld xmlns:a="http://schemas.openxmlformats.org/drawingml/2006/main" xmlns:r="http://schemas.openxmlformats.org/officeDocument/2006/relationships" xmlns:p="http://schemas.openxmlformats.org/presentationml/2006/main">
+  <p:cSld>
+    <p:spTree>
+      <p:nvGrpSpPr>
+        <p:cNvPr id="1" name="Shape 189"/>
+        <p:cNvGrpSpPr/>
+        <p:nvPr/>
+      </p:nvGrpSpPr>
+      <p:grpSpPr>
+        <a:xfrm>
+          <a:off x="0" y="0"/>
+          <a:ext cx="0" cy="0"/>
+          <a:chOff x="0" y="0"/>
+          <a:chExt cx="0" cy="0"/>
+        </a:xfrm>
+      </p:grpSpPr>
+      <p:sp>
+        <p:nvSpPr>
+          <p:cNvPr id="190" name="Google Shape;190;p23"/>
+          <p:cNvSpPr txBox="1">
+            <a:spLocks noGrp="1"/>
+          </p:cNvSpPr>
+          <p:nvPr>
+            <p:ph type="title"/>
+          </p:nvPr>
+        </p:nvSpPr>
+        <p:spPr>
+          <a:xfrm>
+            <a:off x="838200" y="347472"/>
+            <a:ext cx="10515600" cy="1325563"/>
+          </a:xfrm>
+          <a:prstGeom prst="rect">
+            <a:avLst/>
+          </a:prstGeom>
+        </p:spPr>
+        <p:txBody>
+          <a:bodyPr spcFirstLastPara="1" vert="horz" wrap="square" lIns="121900" tIns="121900" rIns="121900" bIns="121900" numCol="1" anchor="t" anchorCtr="0" compatLnSpc="1">
+            <a:prstTxWarp prst="textNoShape">
+              <a:avLst/>
+            </a:prstTxWarp>
+            <a:noAutofit/>
+          </a:bodyPr>
+          <a:lstStyle/>
+          <a:p>
+            <a:r>
+              <a:rPr lang="en" dirty="0"/>
+              <a:t>Examples of Supervised Learning</a:t>
+            </a:r>
+            <a:endParaRPr dirty="0"/>
+          </a:p>
+        </p:txBody>
+      </p:sp>
+      <p:sp>
+        <p:nvSpPr>
+          <p:cNvPr id="2" name="Content Placeholder 1">
+            <a:extLst>
+              <a:ext uri="{FF2B5EF4-FFF2-40B4-BE49-F238E27FC236}">
+                <a16:creationId xmlns:a16="http://schemas.microsoft.com/office/drawing/2014/main" id="{C6427656-EE3E-6F4E-8038-CCD19BE44D52}"/>
+              </a:ext>
+            </a:extLst>
+          </p:cNvPr>
+          <p:cNvSpPr>
+            <a:spLocks noGrp="1"/>
+          </p:cNvSpPr>
+          <p:nvPr>
+            <p:ph idx="1"/>
+          </p:nvPr>
+        </p:nvSpPr>
+        <p:spPr/>
+        <p:txBody>
+          <a:bodyPr>
+            <a:normAutofit fontScale="92500" lnSpcReduction="10000"/>
+          </a:bodyPr>
+          <a:lstStyle/>
+          <a:p>
+            <a:r>
+              <a:rPr lang="en-US" b="1" dirty="0">
+                <a:solidFill>
+                  <a:schemeClr val="accent1"/>
+                </a:solidFill>
+              </a:rPr>
+              <a:t>Linear Models</a:t>
+            </a:r>
+          </a:p>
+          <a:p>
+            <a:pPr lvl="1"/>
+            <a:r>
+              <a:rPr lang="en-US" b="1" dirty="0">
+                <a:solidFill>
+                  <a:schemeClr val="accent1"/>
+                </a:solidFill>
+              </a:rPr>
+              <a:t>Linear regression: </a:t>
+            </a:r>
+            <a:r>
+              <a:rPr lang="en-US" dirty="0"/>
+              <a:t>Predictions of </a:t>
+            </a:r>
+          </a:p>
+          <a:p>
+            <a:pPr lvl="1"/>
+            <a:r>
+              <a:rPr lang="en-US" b="1" dirty="0">
+                <a:solidFill>
+                  <a:schemeClr val="accent1"/>
+                </a:solidFill>
+              </a:rPr>
+              <a:t>Logistic regression: </a:t>
+            </a:r>
+            <a:r>
+              <a:rPr lang="en-US" dirty="0"/>
+              <a:t>Binary classification</a:t>
+            </a:r>
+          </a:p>
+          <a:p>
+            <a:pPr lvl="1"/>
+            <a:r>
+              <a:rPr lang="en-US" b="1" dirty="0">
+                <a:solidFill>
+                  <a:schemeClr val="accent1"/>
+                </a:solidFill>
+              </a:rPr>
+              <a:t>Support vector machines: </a:t>
+            </a:r>
+            <a:r>
+              <a:rPr lang="en-US" dirty="0"/>
+              <a:t>Multi-class classification</a:t>
+            </a:r>
+          </a:p>
+          <a:p>
+            <a:pPr lvl="1"/>
+            <a:endParaRPr lang="en-US" b="1" dirty="0">
+              <a:solidFill>
+                <a:schemeClr val="accent1"/>
+              </a:solidFill>
+            </a:endParaRPr>
+          </a:p>
+          <a:p>
+            <a:r>
+              <a:rPr lang="en-US" dirty="0"/>
+              <a:t>Tree-Based Models</a:t>
+            </a:r>
+          </a:p>
+          <a:p>
+            <a:pPr lvl="1"/>
+            <a:r>
+              <a:rPr lang="en-US" dirty="0"/>
+              <a:t>Random forest</a:t>
+            </a:r>
+          </a:p>
+          <a:p>
+            <a:pPr lvl="1"/>
+            <a:r>
+              <a:rPr lang="en-US" dirty="0"/>
+              <a:t>Gradient boosted trees</a:t>
+            </a:r>
+          </a:p>
+          <a:p>
+            <a:pPr lvl="1"/>
+            <a:endParaRPr lang="en-US" dirty="0"/>
+          </a:p>
+          <a:p>
+            <a:r>
+              <a:rPr lang="en-US" dirty="0"/>
+              <a:t>Deep Learning Models</a:t>
+            </a:r>
+          </a:p>
+        </p:txBody>
+      </p:sp>
+    </p:spTree>
+    <p:extLst>
+      <p:ext uri="{BB962C8B-B14F-4D97-AF65-F5344CB8AC3E}">
+        <p14:creationId xmlns:p14="http://schemas.microsoft.com/office/powerpoint/2010/main" val="487114275"/>
+      </p:ext>
+    </p:extLst>
+  </p:cSld>
+  <p:clrMapOvr>
+    <a:masterClrMapping/>
+  </p:clrMapOvr>
+</p:sld>
+</file>
+
+<file path=ppt/slides/slide5.xml><?xml version="1.0" encoding="utf-8"?>
 <p:sld xmlns:a="http://schemas.openxmlformats.org/drawingml/2006/main" xmlns:r="http://schemas.openxmlformats.org/officeDocument/2006/relationships" xmlns:p="http://schemas.openxmlformats.org/presentationml/2006/main">
   <p:cSld>
     <p:spTree>
@@ -5342,6 +6179,69 @@
       </p:grpSpPr>
       <p:sp>
         <p:nvSpPr>
+          <p:cNvPr id="5" name="Title 4">
+            <a:extLst>
+              <a:ext uri="{FF2B5EF4-FFF2-40B4-BE49-F238E27FC236}">
+                <a16:creationId xmlns:a16="http://schemas.microsoft.com/office/drawing/2014/main" id="{3C485A7A-6D4C-6449-95D3-D40C9E876BB6}"/>
+              </a:ext>
+            </a:extLst>
+          </p:cNvPr>
+          <p:cNvSpPr>
+            <a:spLocks noGrp="1"/>
+          </p:cNvSpPr>
+          <p:nvPr>
+            <p:ph type="ctrTitle"/>
+          </p:nvPr>
+        </p:nvSpPr>
+        <p:spPr/>
+        <p:txBody>
+          <a:bodyPr/>
+          <a:lstStyle/>
+          <a:p>
+            <a:r>
+              <a:rPr lang="en-US" dirty="0"/>
+              <a:t>LINEAR </a:t>
+            </a:r>
+            <a:r>
+              <a:rPr lang="en-US" dirty="0" err="1"/>
+              <a:t>REgression</a:t>
+            </a:r>
+            <a:endParaRPr lang="en-US" dirty="0"/>
+          </a:p>
+        </p:txBody>
+      </p:sp>
+    </p:spTree>
+    <p:extLst>
+      <p:ext uri="{BB962C8B-B14F-4D97-AF65-F5344CB8AC3E}">
+        <p14:creationId xmlns:p14="http://schemas.microsoft.com/office/powerpoint/2010/main" val="736196295"/>
+      </p:ext>
+    </p:extLst>
+  </p:cSld>
+  <p:clrMapOvr>
+    <a:masterClrMapping/>
+  </p:clrMapOvr>
+</p:sld>
+</file>
+
+<file path=ppt/slides/slide6.xml><?xml version="1.0" encoding="utf-8"?>
+<p:sld xmlns:a="http://schemas.openxmlformats.org/drawingml/2006/main" xmlns:r="http://schemas.openxmlformats.org/officeDocument/2006/relationships" xmlns:p="http://schemas.openxmlformats.org/presentationml/2006/main">
+  <p:cSld>
+    <p:spTree>
+      <p:nvGrpSpPr>
+        <p:cNvPr id="1" name=""/>
+        <p:cNvGrpSpPr/>
+        <p:nvPr/>
+      </p:nvGrpSpPr>
+      <p:grpSpPr>
+        <a:xfrm>
+          <a:off x="0" y="0"/>
+          <a:ext cx="0" cy="0"/>
+          <a:chOff x="0" y="0"/>
+          <a:chExt cx="0" cy="0"/>
+        </a:xfrm>
+      </p:grpSpPr>
+      <p:sp>
+        <p:nvSpPr>
           <p:cNvPr id="4" name="Slide Number Placeholder 3">
             <a:extLst>
               <a:ext uri="{FF2B5EF4-FFF2-40B4-BE49-F238E27FC236}">
@@ -5364,7 +6264,7 @@
             <a:fld id="{256CE055-ECFD-9048-9FD8-7E2D8656A4F7}" type="slidenum">
               <a:rPr lang="en-US" smtClean="0"/>
               <a:pPr/>
-              <a:t>4</a:t>
+              <a:t>6</a:t>
             </a:fld>
             <a:endParaRPr lang="en-US" dirty="0"/>
           </a:p>
@@ -5413,7 +6313,7 @@
 </p:sld>
 </file>
 
-<file path=ppt/slides/slide5.xml><?xml version="1.0" encoding="utf-8"?>
+<file path=ppt/slides/slide7.xml><?xml version="1.0" encoding="utf-8"?>
 <p:sld xmlns:a="http://schemas.openxmlformats.org/drawingml/2006/main" xmlns:r="http://schemas.openxmlformats.org/officeDocument/2006/relationships" xmlns:p="http://schemas.openxmlformats.org/presentationml/2006/main">
   <p:cSld>
     <p:spTree>
@@ -5454,7 +6354,7 @@
             <a:fld id="{256CE055-ECFD-9048-9FD8-7E2D8656A4F7}" type="slidenum">
               <a:rPr lang="en-US" smtClean="0"/>
               <a:pPr/>
-              <a:t>5</a:t>
+              <a:t>7</a:t>
             </a:fld>
             <a:endParaRPr lang="en-US" dirty="0"/>
           </a:p>
@@ -5503,7 +6403,7 @@
 </p:sld>
 </file>
 
-<file path=ppt/slides/slide6.xml><?xml version="1.0" encoding="utf-8"?>
+<file path=ppt/slides/slide8.xml><?xml version="1.0" encoding="utf-8"?>
 <p:sld xmlns:a="http://schemas.openxmlformats.org/drawingml/2006/main" xmlns:r="http://schemas.openxmlformats.org/officeDocument/2006/relationships" xmlns:p="http://schemas.openxmlformats.org/presentationml/2006/main">
   <p:cSld>
     <p:spTree>
@@ -5544,7 +6444,7 @@
             <a:fld id="{256CE055-ECFD-9048-9FD8-7E2D8656A4F7}" type="slidenum">
               <a:rPr lang="en-US" smtClean="0"/>
               <a:pPr/>
-              <a:t>6</a:t>
+              <a:t>8</a:t>
             </a:fld>
             <a:endParaRPr lang="en-US" dirty="0"/>
           </a:p>
@@ -5593,222 +6493,6 @@
 </p:sld>
 </file>
 
-<file path=ppt/slides/slide7.xml><?xml version="1.0" encoding="utf-8"?>
-<p:sld xmlns:a="http://schemas.openxmlformats.org/drawingml/2006/main" xmlns:r="http://schemas.openxmlformats.org/officeDocument/2006/relationships" xmlns:p="http://schemas.openxmlformats.org/presentationml/2006/main">
-  <p:cSld>
-    <p:spTree>
-      <p:nvGrpSpPr>
-        <p:cNvPr id="1" name=""/>
-        <p:cNvGrpSpPr/>
-        <p:nvPr/>
-      </p:nvGrpSpPr>
-      <p:grpSpPr>
-        <a:xfrm>
-          <a:off x="0" y="0"/>
-          <a:ext cx="0" cy="0"/>
-          <a:chOff x="0" y="0"/>
-          <a:chExt cx="0" cy="0"/>
-        </a:xfrm>
-      </p:grpSpPr>
-      <p:sp>
-        <p:nvSpPr>
-          <p:cNvPr id="5" name="Title 4">
-            <a:extLst>
-              <a:ext uri="{FF2B5EF4-FFF2-40B4-BE49-F238E27FC236}">
-                <a16:creationId xmlns:a16="http://schemas.microsoft.com/office/drawing/2014/main" id="{3C485A7A-6D4C-6449-95D3-D40C9E876BB6}"/>
-              </a:ext>
-            </a:extLst>
-          </p:cNvPr>
-          <p:cNvSpPr>
-            <a:spLocks noGrp="1"/>
-          </p:cNvSpPr>
-          <p:nvPr>
-            <p:ph type="ctrTitle"/>
-          </p:nvPr>
-        </p:nvSpPr>
-        <p:spPr/>
-        <p:txBody>
-          <a:bodyPr/>
-          <a:lstStyle/>
-          <a:p>
-            <a:r>
-              <a:rPr lang="en-US" dirty="0"/>
-              <a:t>Logistic Regression</a:t>
-            </a:r>
-          </a:p>
-        </p:txBody>
-      </p:sp>
-    </p:spTree>
-    <p:extLst>
-      <p:ext uri="{BB962C8B-B14F-4D97-AF65-F5344CB8AC3E}">
-        <p14:creationId xmlns:p14="http://schemas.microsoft.com/office/powerpoint/2010/main" val="2190132186"/>
-      </p:ext>
-    </p:extLst>
-  </p:cSld>
-  <p:clrMapOvr>
-    <a:masterClrMapping/>
-  </p:clrMapOvr>
-</p:sld>
-</file>
-
-<file path=ppt/slides/slide8.xml><?xml version="1.0" encoding="utf-8"?>
-<p:sld xmlns:a="http://schemas.openxmlformats.org/drawingml/2006/main" xmlns:r="http://schemas.openxmlformats.org/officeDocument/2006/relationships" xmlns:p="http://schemas.openxmlformats.org/presentationml/2006/main">
-  <p:cSld>
-    <p:spTree>
-      <p:nvGrpSpPr>
-        <p:cNvPr id="1" name=""/>
-        <p:cNvGrpSpPr/>
-        <p:nvPr/>
-      </p:nvGrpSpPr>
-      <p:grpSpPr>
-        <a:xfrm>
-          <a:off x="0" y="0"/>
-          <a:ext cx="0" cy="0"/>
-          <a:chOff x="0" y="0"/>
-          <a:chExt cx="0" cy="0"/>
-        </a:xfrm>
-      </p:grpSpPr>
-      <p:sp>
-        <p:nvSpPr>
-          <p:cNvPr id="2" name="Picture Placeholder 1">
-            <a:extLst>
-              <a:ext uri="{FF2B5EF4-FFF2-40B4-BE49-F238E27FC236}">
-                <a16:creationId xmlns:a16="http://schemas.microsoft.com/office/drawing/2014/main" id="{09231A48-87BC-4F47-AC07-58C86D362A62}"/>
-              </a:ext>
-            </a:extLst>
-          </p:cNvPr>
-          <p:cNvSpPr>
-            <a:spLocks noGrp="1"/>
-          </p:cNvSpPr>
-          <p:nvPr>
-            <p:ph type="pic" sz="quarter" idx="13"/>
-          </p:nvPr>
-        </p:nvSpPr>
-        <p:spPr/>
-      </p:sp>
-      <p:sp>
-        <p:nvSpPr>
-          <p:cNvPr id="3" name="Title 2">
-            <a:extLst>
-              <a:ext uri="{FF2B5EF4-FFF2-40B4-BE49-F238E27FC236}">
-                <a16:creationId xmlns:a16="http://schemas.microsoft.com/office/drawing/2014/main" id="{4172FC6C-7AAF-6F4F-BC75-6BEFB8A778AB}"/>
-              </a:ext>
-            </a:extLst>
-          </p:cNvPr>
-          <p:cNvSpPr>
-            <a:spLocks noGrp="1"/>
-          </p:cNvSpPr>
-          <p:nvPr>
-            <p:ph type="title"/>
-          </p:nvPr>
-        </p:nvSpPr>
-        <p:spPr/>
-        <p:txBody>
-          <a:bodyPr/>
-          <a:lstStyle/>
-          <a:p>
-            <a:endParaRPr lang="en-US"/>
-          </a:p>
-        </p:txBody>
-      </p:sp>
-      <p:sp>
-        <p:nvSpPr>
-          <p:cNvPr id="4" name="Content Placeholder 3">
-            <a:extLst>
-              <a:ext uri="{FF2B5EF4-FFF2-40B4-BE49-F238E27FC236}">
-                <a16:creationId xmlns:a16="http://schemas.microsoft.com/office/drawing/2014/main" id="{EAEBDECB-7644-1942-97F5-FF576B700669}"/>
-              </a:ext>
-            </a:extLst>
-          </p:cNvPr>
-          <p:cNvSpPr>
-            <a:spLocks noGrp="1"/>
-          </p:cNvSpPr>
-          <p:nvPr>
-            <p:ph idx="1"/>
-          </p:nvPr>
-        </p:nvSpPr>
-        <p:spPr/>
-        <p:txBody>
-          <a:bodyPr/>
-          <a:lstStyle/>
-          <a:p>
-            <a:endParaRPr lang="en-US"/>
-          </a:p>
-        </p:txBody>
-      </p:sp>
-      <p:sp>
-        <p:nvSpPr>
-          <p:cNvPr id="5" name="Slide Number Placeholder 4">
-            <a:extLst>
-              <a:ext uri="{FF2B5EF4-FFF2-40B4-BE49-F238E27FC236}">
-                <a16:creationId xmlns:a16="http://schemas.microsoft.com/office/drawing/2014/main" id="{DD78FBCD-E611-534D-B032-D5131A1E435A}"/>
-              </a:ext>
-            </a:extLst>
-          </p:cNvPr>
-          <p:cNvSpPr>
-            <a:spLocks noGrp="1"/>
-          </p:cNvSpPr>
-          <p:nvPr>
-            <p:ph type="sldNum" sz="quarter" idx="12"/>
-          </p:nvPr>
-        </p:nvSpPr>
-        <p:spPr/>
-        <p:txBody>
-          <a:bodyPr/>
-          <a:lstStyle/>
-          <a:p>
-            <a:fld id="{256CE055-ECFD-9048-9FD8-7E2D8656A4F7}" type="slidenum">
-              <a:rPr lang="en-US" smtClean="0"/>
-              <a:pPr/>
-              <a:t>8</a:t>
-            </a:fld>
-            <a:endParaRPr lang="en-US" dirty="0"/>
-          </a:p>
-        </p:txBody>
-      </p:sp>
-      <p:pic>
-        <p:nvPicPr>
-          <p:cNvPr id="6" name="Picture 5">
-            <a:extLst>
-              <a:ext uri="{FF2B5EF4-FFF2-40B4-BE49-F238E27FC236}">
-                <a16:creationId xmlns:a16="http://schemas.microsoft.com/office/drawing/2014/main" id="{B295E989-39A2-6E44-B48D-51831C64B351}"/>
-              </a:ext>
-            </a:extLst>
-          </p:cNvPr>
-          <p:cNvPicPr>
-            <a:picLocks noChangeAspect="1"/>
-          </p:cNvPicPr>
-          <p:nvPr/>
-        </p:nvPicPr>
-        <p:blipFill>
-          <a:blip r:embed="rId2"/>
-          <a:stretch>
-            <a:fillRect/>
-          </a:stretch>
-        </p:blipFill>
-        <p:spPr>
-          <a:xfrm>
-            <a:off x="394063" y="0"/>
-            <a:ext cx="11403874" cy="6858000"/>
-          </a:xfrm>
-          <a:prstGeom prst="rect">
-            <a:avLst/>
-          </a:prstGeom>
-        </p:spPr>
-      </p:pic>
-    </p:spTree>
-    <p:extLst>
-      <p:ext uri="{BB962C8B-B14F-4D97-AF65-F5344CB8AC3E}">
-        <p14:creationId xmlns:p14="http://schemas.microsoft.com/office/powerpoint/2010/main" val="2227156685"/>
-      </p:ext>
-    </p:extLst>
-  </p:cSld>
-  <p:clrMapOvr>
-    <a:masterClrMapping/>
-  </p:clrMapOvr>
-</p:sld>
-</file>
-
 <file path=ppt/slides/slide9.xml><?xml version="1.0" encoding="utf-8"?>
 <p:sld xmlns:a="http://schemas.openxmlformats.org/drawingml/2006/main" xmlns:r="http://schemas.openxmlformats.org/officeDocument/2006/relationships" xmlns:p="http://schemas.openxmlformats.org/presentationml/2006/main">
   <p:cSld>
@@ -5828,10 +6512,10 @@
       </p:grpSpPr>
       <p:sp>
         <p:nvSpPr>
-          <p:cNvPr id="5" name="Slide Number Placeholder 4">
-            <a:extLst>
-              <a:ext uri="{FF2B5EF4-FFF2-40B4-BE49-F238E27FC236}">
-                <a16:creationId xmlns:a16="http://schemas.microsoft.com/office/drawing/2014/main" id="{20381488-864B-9C4E-9F5A-E546250CFF39}"/>
+          <p:cNvPr id="5" name="Title 4">
+            <a:extLst>
+              <a:ext uri="{FF2B5EF4-FFF2-40B4-BE49-F238E27FC236}">
+                <a16:creationId xmlns:a16="http://schemas.microsoft.com/office/drawing/2014/main" id="{3C485A7A-6D4C-6449-95D3-D40C9E876BB6}"/>
               </a:ext>
             </a:extLst>
           </p:cNvPr>
@@ -5839,7 +6523,7 @@
             <a:spLocks noGrp="1"/>
           </p:cNvSpPr>
           <p:nvPr>
-            <p:ph type="sldNum" sz="quarter" idx="12"/>
+            <p:ph type="ctrTitle"/>
           </p:nvPr>
         </p:nvSpPr>
         <p:spPr/>
@@ -5847,109 +6531,17 @@
           <a:bodyPr/>
           <a:lstStyle/>
           <a:p>
-            <a:fld id="{256CE055-ECFD-9048-9FD8-7E2D8656A4F7}" type="slidenum">
-              <a:rPr lang="en-US" smtClean="0"/>
-              <a:pPr/>
-              <a:t>9</a:t>
-            </a:fld>
-            <a:endParaRPr lang="en-US" dirty="0"/>
+            <a:r>
+              <a:rPr lang="en-US" dirty="0"/>
+              <a:t>Logistic Regression</a:t>
+            </a:r>
           </a:p>
         </p:txBody>
       </p:sp>
-      <p:pic>
-        <p:nvPicPr>
-          <p:cNvPr id="6" name="Picture 5">
-            <a:extLst>
-              <a:ext uri="{FF2B5EF4-FFF2-40B4-BE49-F238E27FC236}">
-                <a16:creationId xmlns:a16="http://schemas.microsoft.com/office/drawing/2014/main" id="{822151E3-B2DB-2047-9CB2-AFBBF6AA73D8}"/>
-              </a:ext>
-            </a:extLst>
-          </p:cNvPr>
-          <p:cNvPicPr>
-            <a:picLocks noChangeAspect="1"/>
-          </p:cNvPicPr>
-          <p:nvPr/>
-        </p:nvPicPr>
-        <p:blipFill>
-          <a:blip r:embed="rId2"/>
-          <a:stretch>
-            <a:fillRect/>
-          </a:stretch>
-        </p:blipFill>
-        <p:spPr>
-          <a:xfrm>
-            <a:off x="171450" y="443470"/>
-            <a:ext cx="6934200" cy="4470400"/>
-          </a:xfrm>
-          <a:prstGeom prst="rect">
-            <a:avLst/>
-          </a:prstGeom>
-        </p:spPr>
-      </p:pic>
-      <p:pic>
-        <p:nvPicPr>
-          <p:cNvPr id="7" name="Picture 6">
-            <a:extLst>
-              <a:ext uri="{FF2B5EF4-FFF2-40B4-BE49-F238E27FC236}">
-                <a16:creationId xmlns:a16="http://schemas.microsoft.com/office/drawing/2014/main" id="{FC4817DB-FB27-364E-9667-C8DFBA14F757}"/>
-              </a:ext>
-            </a:extLst>
-          </p:cNvPr>
-          <p:cNvPicPr>
-            <a:picLocks noChangeAspect="1"/>
-          </p:cNvPicPr>
-          <p:nvPr/>
-        </p:nvPicPr>
-        <p:blipFill>
-          <a:blip r:embed="rId3"/>
-          <a:stretch>
-            <a:fillRect/>
-          </a:stretch>
-        </p:blipFill>
-        <p:spPr>
-          <a:xfrm>
-            <a:off x="0" y="189470"/>
-            <a:ext cx="7277100" cy="4724400"/>
-          </a:xfrm>
-          <a:prstGeom prst="rect">
-            <a:avLst/>
-          </a:prstGeom>
-        </p:spPr>
-      </p:pic>
-      <p:pic>
-        <p:nvPicPr>
-          <p:cNvPr id="8" name="Picture 7">
-            <a:extLst>
-              <a:ext uri="{FF2B5EF4-FFF2-40B4-BE49-F238E27FC236}">
-                <a16:creationId xmlns:a16="http://schemas.microsoft.com/office/drawing/2014/main" id="{3AE7E1EB-CA7E-A448-8E32-45412F740A4E}"/>
-              </a:ext>
-            </a:extLst>
-          </p:cNvPr>
-          <p:cNvPicPr>
-            <a:picLocks noChangeAspect="1"/>
-          </p:cNvPicPr>
-          <p:nvPr/>
-        </p:nvPicPr>
-        <p:blipFill>
-          <a:blip r:embed="rId4"/>
-          <a:stretch>
-            <a:fillRect/>
-          </a:stretch>
-        </p:blipFill>
-        <p:spPr>
-          <a:xfrm>
-            <a:off x="5691831" y="3202170"/>
-            <a:ext cx="6328719" cy="2721349"/>
-          </a:xfrm>
-          <a:prstGeom prst="rect">
-            <a:avLst/>
-          </a:prstGeom>
-        </p:spPr>
-      </p:pic>
     </p:spTree>
     <p:extLst>
       <p:ext uri="{BB962C8B-B14F-4D97-AF65-F5344CB8AC3E}">
-        <p14:creationId xmlns:p14="http://schemas.microsoft.com/office/powerpoint/2010/main" val="3372329819"/>
+        <p14:creationId xmlns:p14="http://schemas.microsoft.com/office/powerpoint/2010/main" val="2190132186"/>
       </p:ext>
     </p:extLst>
   </p:cSld>
